--- a/images/RAG.pptx
+++ b/images/RAG.pptx
@@ -106,29 +106,48 @@
   </p:defaultTextStyle>
   <p:extLst>
     <p:ext uri="{EFAFB233-063F-42B5-8137-9DF3F51BA10A}">
-      <p15:sldGuideLst xmlns:p15="http://schemas.microsoft.com/office/powerpoint/2012/main"/>
+      <p15:sldGuideLst xmlns:p15="http://schemas.microsoft.com/office/powerpoint/2012/main">
+        <p15:guide id="1" orient="horz" pos="2160" userDrawn="1">
+          <p15:clr>
+            <a:srgbClr val="A4A3A4"/>
+          </p15:clr>
+        </p15:guide>
+        <p15:guide id="2" pos="3840" userDrawn="1">
+          <p15:clr>
+            <a:srgbClr val="A4A3A4"/>
+          </p15:clr>
+        </p15:guide>
+      </p15:sldGuideLst>
     </p:ext>
   </p:extLst>
 </p:presentation>
+</file>
+
+<file path=ppt/revisionInfo.xml><?xml version="1.0" encoding="utf-8"?>
+<p1510:revInfo xmlns:a="http://schemas.openxmlformats.org/drawingml/2006/main" xmlns:r="http://schemas.openxmlformats.org/officeDocument/2006/relationships" xmlns:p1510="http://schemas.microsoft.com/office/powerpoint/2015/10/main">
+  <p1510:revLst>
+    <p1510:client id="{8948E902-5553-4EA5-9380-9339DD2AE320}" v="2" dt="2024-12-12T08:24:31.539"/>
+  </p1510:revLst>
+</p1510:revInfo>
 </file>
 
 <file path=ppt/changesInfos/changesInfo1.xml><?xml version="1.0" encoding="utf-8"?>
 <pc:chgInfo xmlns:a="http://schemas.openxmlformats.org/drawingml/2006/main" xmlns:r="http://schemas.openxmlformats.org/officeDocument/2006/relationships" xmlns:ac="http://schemas.microsoft.com/office/drawing/2013/main/command" xmlns:pc="http://schemas.microsoft.com/office/powerpoint/2013/main/command">
   <pc:docChgLst>
     <pc:chgData name="Erik Winge" userId="16c8e180-f89f-432a-96d9-c3d9d7e649a1" providerId="ADAL" clId="{8948E902-5553-4EA5-9380-9339DD2AE320}"/>
-    <pc:docChg chg="modSld">
-      <pc:chgData name="Erik Winge" userId="16c8e180-f89f-432a-96d9-c3d9d7e649a1" providerId="ADAL" clId="{8948E902-5553-4EA5-9380-9339DD2AE320}" dt="2024-12-12T07:33:51.168" v="1" actId="14100"/>
+    <pc:docChg chg="undo custSel modSld">
+      <pc:chgData name="Erik Winge" userId="16c8e180-f89f-432a-96d9-c3d9d7e649a1" providerId="ADAL" clId="{8948E902-5553-4EA5-9380-9339DD2AE320}" dt="2024-12-12T08:26:12.434" v="89" actId="12789"/>
       <pc:docMkLst>
         <pc:docMk/>
       </pc:docMkLst>
-      <pc:sldChg chg="modSp mod">
-        <pc:chgData name="Erik Winge" userId="16c8e180-f89f-432a-96d9-c3d9d7e649a1" providerId="ADAL" clId="{8948E902-5553-4EA5-9380-9339DD2AE320}" dt="2024-12-12T07:33:51.168" v="1" actId="14100"/>
+      <pc:sldChg chg="addSp delSp modSp mod">
+        <pc:chgData name="Erik Winge" userId="16c8e180-f89f-432a-96d9-c3d9d7e649a1" providerId="ADAL" clId="{8948E902-5553-4EA5-9380-9339DD2AE320}" dt="2024-12-12T08:26:12.434" v="89" actId="12789"/>
         <pc:sldMkLst>
           <pc:docMk/>
           <pc:sldMk cId="1298863155" sldId="257"/>
         </pc:sldMkLst>
         <pc:spChg chg="mod">
-          <ac:chgData name="Erik Winge" userId="16c8e180-f89f-432a-96d9-c3d9d7e649a1" providerId="ADAL" clId="{8948E902-5553-4EA5-9380-9339DD2AE320}" dt="2024-12-12T07:33:35.493" v="0" actId="1582"/>
+          <ac:chgData name="Erik Winge" userId="16c8e180-f89f-432a-96d9-c3d9d7e649a1" providerId="ADAL" clId="{8948E902-5553-4EA5-9380-9339DD2AE320}" dt="2024-12-12T08:11:14.915" v="28" actId="12788"/>
           <ac:spMkLst>
             <pc:docMk/>
             <pc:sldMk cId="1298863155" sldId="257"/>
@@ -136,7 +155,7 @@
           </ac:spMkLst>
         </pc:spChg>
         <pc:spChg chg="mod">
-          <ac:chgData name="Erik Winge" userId="16c8e180-f89f-432a-96d9-c3d9d7e649a1" providerId="ADAL" clId="{8948E902-5553-4EA5-9380-9339DD2AE320}" dt="2024-12-12T07:33:35.493" v="0" actId="1582"/>
+          <ac:chgData name="Erik Winge" userId="16c8e180-f89f-432a-96d9-c3d9d7e649a1" providerId="ADAL" clId="{8948E902-5553-4EA5-9380-9339DD2AE320}" dt="2024-12-12T08:07:05.858" v="8" actId="14100"/>
           <ac:spMkLst>
             <pc:docMk/>
             <pc:sldMk cId="1298863155" sldId="257"/>
@@ -144,7 +163,7 @@
           </ac:spMkLst>
         </pc:spChg>
         <pc:spChg chg="mod">
-          <ac:chgData name="Erik Winge" userId="16c8e180-f89f-432a-96d9-c3d9d7e649a1" providerId="ADAL" clId="{8948E902-5553-4EA5-9380-9339DD2AE320}" dt="2024-12-12T07:33:35.493" v="0" actId="1582"/>
+          <ac:chgData name="Erik Winge" userId="16c8e180-f89f-432a-96d9-c3d9d7e649a1" providerId="ADAL" clId="{8948E902-5553-4EA5-9380-9339DD2AE320}" dt="2024-12-12T08:08:38.557" v="17" actId="14100"/>
           <ac:spMkLst>
             <pc:docMk/>
             <pc:sldMk cId="1298863155" sldId="257"/>
@@ -152,7 +171,7 @@
           </ac:spMkLst>
         </pc:spChg>
         <pc:spChg chg="mod">
-          <ac:chgData name="Erik Winge" userId="16c8e180-f89f-432a-96d9-c3d9d7e649a1" providerId="ADAL" clId="{8948E902-5553-4EA5-9380-9339DD2AE320}" dt="2024-12-12T07:33:35.493" v="0" actId="1582"/>
+          <ac:chgData name="Erik Winge" userId="16c8e180-f89f-432a-96d9-c3d9d7e649a1" providerId="ADAL" clId="{8948E902-5553-4EA5-9380-9339DD2AE320}" dt="2024-12-12T08:25:01.336" v="74" actId="1076"/>
           <ac:spMkLst>
             <pc:docMk/>
             <pc:sldMk cId="1298863155" sldId="257"/>
@@ -160,7 +179,7 @@
           </ac:spMkLst>
         </pc:spChg>
         <pc:spChg chg="mod">
-          <ac:chgData name="Erik Winge" userId="16c8e180-f89f-432a-96d9-c3d9d7e649a1" providerId="ADAL" clId="{8948E902-5553-4EA5-9380-9339DD2AE320}" dt="2024-12-12T07:33:35.493" v="0" actId="1582"/>
+          <ac:chgData name="Erik Winge" userId="16c8e180-f89f-432a-96d9-c3d9d7e649a1" providerId="ADAL" clId="{8948E902-5553-4EA5-9380-9339DD2AE320}" dt="2024-12-12T08:24:50.974" v="72" actId="1036"/>
           <ac:spMkLst>
             <pc:docMk/>
             <pc:sldMk cId="1298863155" sldId="257"/>
@@ -168,7 +187,7 @@
           </ac:spMkLst>
         </pc:spChg>
         <pc:spChg chg="mod">
-          <ac:chgData name="Erik Winge" userId="16c8e180-f89f-432a-96d9-c3d9d7e649a1" providerId="ADAL" clId="{8948E902-5553-4EA5-9380-9339DD2AE320}" dt="2024-12-12T07:33:35.493" v="0" actId="1582"/>
+          <ac:chgData name="Erik Winge" userId="16c8e180-f89f-432a-96d9-c3d9d7e649a1" providerId="ADAL" clId="{8948E902-5553-4EA5-9380-9339DD2AE320}" dt="2024-12-12T08:24:50.974" v="72" actId="1036"/>
           <ac:spMkLst>
             <pc:docMk/>
             <pc:sldMk cId="1298863155" sldId="257"/>
@@ -176,7 +195,7 @@
           </ac:spMkLst>
         </pc:spChg>
         <pc:spChg chg="mod">
-          <ac:chgData name="Erik Winge" userId="16c8e180-f89f-432a-96d9-c3d9d7e649a1" providerId="ADAL" clId="{8948E902-5553-4EA5-9380-9339DD2AE320}" dt="2024-12-12T07:33:35.493" v="0" actId="1582"/>
+          <ac:chgData name="Erik Winge" userId="16c8e180-f89f-432a-96d9-c3d9d7e649a1" providerId="ADAL" clId="{8948E902-5553-4EA5-9380-9339DD2AE320}" dt="2024-12-12T08:24:50.974" v="72" actId="1036"/>
           <ac:spMkLst>
             <pc:docMk/>
             <pc:sldMk cId="1298863155" sldId="257"/>
@@ -184,15 +203,31 @@
           </ac:spMkLst>
         </pc:spChg>
         <pc:spChg chg="mod">
-          <ac:chgData name="Erik Winge" userId="16c8e180-f89f-432a-96d9-c3d9d7e649a1" providerId="ADAL" clId="{8948E902-5553-4EA5-9380-9339DD2AE320}" dt="2024-12-12T07:33:35.493" v="0" actId="1582"/>
+          <ac:chgData name="Erik Winge" userId="16c8e180-f89f-432a-96d9-c3d9d7e649a1" providerId="ADAL" clId="{8948E902-5553-4EA5-9380-9339DD2AE320}" dt="2024-12-12T08:08:55.459" v="19" actId="1076"/>
           <ac:spMkLst>
             <pc:docMk/>
             <pc:sldMk cId="1298863155" sldId="257"/>
             <ac:spMk id="25" creationId="{1B720BC0-6828-E187-5BAD-E8CD46C81692}"/>
           </ac:spMkLst>
         </pc:spChg>
+        <pc:grpChg chg="add del">
+          <ac:chgData name="Erik Winge" userId="16c8e180-f89f-432a-96d9-c3d9d7e649a1" providerId="ADAL" clId="{8948E902-5553-4EA5-9380-9339DD2AE320}" dt="2024-12-12T08:12:31.554" v="36" actId="478"/>
+          <ac:grpSpMkLst>
+            <pc:docMk/>
+            <pc:sldMk cId="1298863155" sldId="257"/>
+            <ac:grpSpMk id="11" creationId="{4C9D69D9-F419-6C0F-17C2-EE3D98552ABF}"/>
+          </ac:grpSpMkLst>
+        </pc:grpChg>
+        <pc:grpChg chg="mod">
+          <ac:chgData name="Erik Winge" userId="16c8e180-f89f-432a-96d9-c3d9d7e649a1" providerId="ADAL" clId="{8948E902-5553-4EA5-9380-9339DD2AE320}" dt="2024-12-12T08:26:12.434" v="89" actId="12789"/>
+          <ac:grpSpMkLst>
+            <pc:docMk/>
+            <pc:sldMk cId="1298863155" sldId="257"/>
+            <ac:grpSpMk id="27" creationId="{A534E6C6-6B12-BE0B-D667-CE838AC4A482}"/>
+          </ac:grpSpMkLst>
+        </pc:grpChg>
         <pc:cxnChg chg="mod">
-          <ac:chgData name="Erik Winge" userId="16c8e180-f89f-432a-96d9-c3d9d7e649a1" providerId="ADAL" clId="{8948E902-5553-4EA5-9380-9339DD2AE320}" dt="2024-12-12T07:33:51.168" v="1" actId="14100"/>
+          <ac:chgData name="Erik Winge" userId="16c8e180-f89f-432a-96d9-c3d9d7e649a1" providerId="ADAL" clId="{8948E902-5553-4EA5-9380-9339DD2AE320}" dt="2024-12-12T08:09:41.580" v="23" actId="1076"/>
           <ac:cxnSpMkLst>
             <pc:docMk/>
             <pc:sldMk cId="1298863155" sldId="257"/>
@@ -200,15 +235,15 @@
           </ac:cxnSpMkLst>
         </pc:cxnChg>
         <pc:cxnChg chg="mod">
-          <ac:chgData name="Erik Winge" userId="16c8e180-f89f-432a-96d9-c3d9d7e649a1" providerId="ADAL" clId="{8948E902-5553-4EA5-9380-9339DD2AE320}" dt="2024-12-12T07:33:35.493" v="0" actId="1582"/>
+          <ac:chgData name="Erik Winge" userId="16c8e180-f89f-432a-96d9-c3d9d7e649a1" providerId="ADAL" clId="{8948E902-5553-4EA5-9380-9339DD2AE320}" dt="2024-12-12T08:09:59.990" v="24" actId="14100"/>
           <ac:cxnSpMkLst>
             <pc:docMk/>
             <pc:sldMk cId="1298863155" sldId="257"/>
             <ac:cxnSpMk id="10" creationId="{D199D08D-A3BB-8209-24D3-FD40665D570B}"/>
           </ac:cxnSpMkLst>
         </pc:cxnChg>
-        <pc:cxnChg chg="mod">
-          <ac:chgData name="Erik Winge" userId="16c8e180-f89f-432a-96d9-c3d9d7e649a1" providerId="ADAL" clId="{8948E902-5553-4EA5-9380-9339DD2AE320}" dt="2024-12-12T07:33:35.493" v="0" actId="1582"/>
+        <pc:cxnChg chg="add del mod">
+          <ac:chgData name="Erik Winge" userId="16c8e180-f89f-432a-96d9-c3d9d7e649a1" providerId="ADAL" clId="{8948E902-5553-4EA5-9380-9339DD2AE320}" dt="2024-12-12T08:25:46.217" v="83" actId="1076"/>
           <ac:cxnSpMkLst>
             <pc:docMk/>
             <pc:sldMk cId="1298863155" sldId="257"/>
@@ -216,15 +251,15 @@
           </ac:cxnSpMkLst>
         </pc:cxnChg>
         <pc:cxnChg chg="mod">
-          <ac:chgData name="Erik Winge" userId="16c8e180-f89f-432a-96d9-c3d9d7e649a1" providerId="ADAL" clId="{8948E902-5553-4EA5-9380-9339DD2AE320}" dt="2024-12-12T07:33:35.493" v="0" actId="1582"/>
+          <ac:chgData name="Erik Winge" userId="16c8e180-f89f-432a-96d9-c3d9d7e649a1" providerId="ADAL" clId="{8948E902-5553-4EA5-9380-9339DD2AE320}" dt="2024-12-12T08:25:18.368" v="77" actId="14100"/>
           <ac:cxnSpMkLst>
             <pc:docMk/>
             <pc:sldMk cId="1298863155" sldId="257"/>
             <ac:cxnSpMk id="16" creationId="{9FD3CC6F-0263-8684-26ED-B4C8FCAC0338}"/>
           </ac:cxnSpMkLst>
         </pc:cxnChg>
-        <pc:cxnChg chg="mod">
-          <ac:chgData name="Erik Winge" userId="16c8e180-f89f-432a-96d9-c3d9d7e649a1" providerId="ADAL" clId="{8948E902-5553-4EA5-9380-9339DD2AE320}" dt="2024-12-12T07:33:35.493" v="0" actId="1582"/>
+        <pc:cxnChg chg="add del mod">
+          <ac:chgData name="Erik Winge" userId="16c8e180-f89f-432a-96d9-c3d9d7e649a1" providerId="ADAL" clId="{8948E902-5553-4EA5-9380-9339DD2AE320}" dt="2024-12-12T08:25:57.329" v="87" actId="1076"/>
           <ac:cxnSpMkLst>
             <pc:docMk/>
             <pc:sldMk cId="1298863155" sldId="257"/>
@@ -232,7 +267,7 @@
           </ac:cxnSpMkLst>
         </pc:cxnChg>
         <pc:cxnChg chg="mod">
-          <ac:chgData name="Erik Winge" userId="16c8e180-f89f-432a-96d9-c3d9d7e649a1" providerId="ADAL" clId="{8948E902-5553-4EA5-9380-9339DD2AE320}" dt="2024-12-12T07:33:35.493" v="0" actId="1582"/>
+          <ac:chgData name="Erik Winge" userId="16c8e180-f89f-432a-96d9-c3d9d7e649a1" providerId="ADAL" clId="{8948E902-5553-4EA5-9380-9339DD2AE320}" dt="2024-12-12T08:24:50.974" v="72" actId="1036"/>
           <ac:cxnSpMkLst>
             <pc:docMk/>
             <pc:sldMk cId="1298863155" sldId="257"/>
@@ -240,7 +275,7 @@
           </ac:cxnSpMkLst>
         </pc:cxnChg>
         <pc:cxnChg chg="mod">
-          <ac:chgData name="Erik Winge" userId="16c8e180-f89f-432a-96d9-c3d9d7e649a1" providerId="ADAL" clId="{8948E902-5553-4EA5-9380-9339DD2AE320}" dt="2024-12-12T07:33:35.493" v="0" actId="1582"/>
+          <ac:chgData name="Erik Winge" userId="16c8e180-f89f-432a-96d9-c3d9d7e649a1" providerId="ADAL" clId="{8948E902-5553-4EA5-9380-9339DD2AE320}" dt="2024-12-12T08:24:50.974" v="72" actId="1036"/>
           <ac:cxnSpMkLst>
             <pc:docMk/>
             <pc:sldMk cId="1298863155" sldId="257"/>
@@ -248,11 +283,19 @@
           </ac:cxnSpMkLst>
         </pc:cxnChg>
         <pc:cxnChg chg="mod">
-          <ac:chgData name="Erik Winge" userId="16c8e180-f89f-432a-96d9-c3d9d7e649a1" providerId="ADAL" clId="{8948E902-5553-4EA5-9380-9339DD2AE320}" dt="2024-12-12T07:33:35.493" v="0" actId="1582"/>
+          <ac:chgData name="Erik Winge" userId="16c8e180-f89f-432a-96d9-c3d9d7e649a1" providerId="ADAL" clId="{8948E902-5553-4EA5-9380-9339DD2AE320}" dt="2024-12-12T08:10:15.378" v="26" actId="14100"/>
           <ac:cxnSpMkLst>
             <pc:docMk/>
             <pc:sldMk cId="1298863155" sldId="257"/>
             <ac:cxnSpMk id="26" creationId="{ED92AC37-477E-90AE-0806-942790D271EF}"/>
+          </ac:cxnSpMkLst>
+        </pc:cxnChg>
+        <pc:cxnChg chg="add mod">
+          <ac:chgData name="Erik Winge" userId="16c8e180-f89f-432a-96d9-c3d9d7e649a1" providerId="ADAL" clId="{8948E902-5553-4EA5-9380-9339DD2AE320}" dt="2024-12-12T08:24:30.741" v="45" actId="1076"/>
+          <ac:cxnSpMkLst>
+            <pc:docMk/>
+            <pc:sldMk cId="1298863155" sldId="257"/>
+            <ac:cxnSpMk id="32" creationId="{BA4C5B0F-6A80-EC5C-F779-E66DB781832D}"/>
           </ac:cxnSpMkLst>
         </pc:cxnChg>
       </pc:sldChg>
@@ -3491,10 +3534,10 @@
         </p:nvGrpSpPr>
         <p:grpSpPr>
           <a:xfrm>
-            <a:off x="696000" y="1080983"/>
-            <a:ext cx="10800000" cy="4696034"/>
-            <a:chOff x="1008095" y="1183340"/>
-            <a:chExt cx="10093692" cy="4388919"/>
+            <a:off x="337721" y="376241"/>
+            <a:ext cx="11516558" cy="6105518"/>
+            <a:chOff x="1011110" y="1183340"/>
+            <a:chExt cx="10090677" cy="5349583"/>
           </a:xfrm>
         </p:grpSpPr>
         <p:grpSp>
@@ -3511,10 +3554,10 @@
           </p:nvGrpSpPr>
           <p:grpSpPr>
             <a:xfrm>
-              <a:off x="1008095" y="1497620"/>
-              <a:ext cx="2793388" cy="830997"/>
-              <a:chOff x="1008095" y="1497620"/>
-              <a:chExt cx="2793388" cy="830997"/>
+              <a:off x="1011110" y="1183340"/>
+              <a:ext cx="2777512" cy="1375318"/>
+              <a:chOff x="1011110" y="1183340"/>
+              <a:chExt cx="2777512" cy="1375318"/>
             </a:xfrm>
           </p:grpSpPr>
           <p:sp>
@@ -3531,8 +3574,8 @@
             </p:nvSpPr>
             <p:spPr>
               <a:xfrm>
-                <a:off x="1008095" y="1497620"/>
-                <a:ext cx="1846556" cy="830997"/>
+                <a:off x="1011110" y="1183340"/>
+                <a:ext cx="1846556" cy="1375318"/>
               </a:xfrm>
               <a:prstGeom prst="rect">
                 <a:avLst/>
@@ -3551,11 +3594,11 @@
               <a:lstStyle/>
               <a:p>
                 <a:r>
-                  <a:rPr lang="en-US" sz="1600" dirty="0"/>
+                  <a:rPr lang="en-US" sz="2400" dirty="0"/>
                   <a:t>Question: </a:t>
                 </a:r>
                 <a:r>
-                  <a:rPr lang="en-US" sz="1600" b="0" i="0" dirty="0">
+                  <a:rPr lang="en-US" sz="2400" b="0" i="0" dirty="0">
                     <a:solidFill>
                       <a:srgbClr val="262626"/>
                     </a:solidFill>
@@ -3564,7 +3607,7 @@
                   </a:rPr>
                   <a:t>When did the ECHR enter into force?</a:t>
                 </a:r>
-                <a:endParaRPr lang="en-US" sz="1600" dirty="0"/>
+                <a:endParaRPr lang="en-US" sz="2400" dirty="0"/>
               </a:p>
             </p:txBody>
           </p:sp>
@@ -3584,7 +3627,7 @@
             </p:nvCxnSpPr>
             <p:spPr>
               <a:xfrm flipV="1">
-                <a:off x="2960612" y="1913118"/>
+                <a:off x="2947751" y="1745297"/>
                 <a:ext cx="840871" cy="5374"/>
               </a:xfrm>
               <a:prstGeom prst="straightConnector1">
@@ -3627,8 +3670,8 @@
           </p:nvSpPr>
           <p:spPr>
             <a:xfrm>
-              <a:off x="8833787" y="1183340"/>
-              <a:ext cx="1440000" cy="1284803"/>
+              <a:off x="8833786" y="1183340"/>
+              <a:ext cx="1744059" cy="1284803"/>
             </a:xfrm>
             <a:prstGeom prst="flowChartMultidocument">
               <a:avLst/>
@@ -3655,7 +3698,7 @@
             <a:p>
               <a:pPr algn="ctr"/>
               <a:r>
-                <a:rPr lang="en-US" sz="1600" dirty="0"/>
+                <a:rPr lang="en-US" sz="2400" dirty="0"/>
                 <a:t>Documents</a:t>
               </a:r>
             </a:p>
@@ -3675,10 +3718,10 @@
           </p:nvGrpSpPr>
           <p:grpSpPr>
             <a:xfrm>
-              <a:off x="3902039" y="1285742"/>
-              <a:ext cx="2402937" cy="1080000"/>
-              <a:chOff x="3902039" y="1285742"/>
-              <a:chExt cx="2402937" cy="1080000"/>
+              <a:off x="3902039" y="1183340"/>
+              <a:ext cx="2375787" cy="1182403"/>
+              <a:chOff x="3902039" y="1183340"/>
+              <a:chExt cx="2375787" cy="1182403"/>
             </a:xfrm>
           </p:grpSpPr>
           <p:sp>
@@ -3695,8 +3738,8 @@
             </p:nvSpPr>
             <p:spPr>
               <a:xfrm>
-                <a:off x="3902039" y="1285742"/>
-                <a:ext cx="1260000" cy="1080000"/>
+                <a:off x="3902039" y="1183340"/>
+                <a:ext cx="1260000" cy="1182403"/>
               </a:xfrm>
               <a:prstGeom prst="flowChartMagneticDisk">
                 <a:avLst/>
@@ -3723,7 +3766,7 @@
               <a:p>
                 <a:pPr algn="ctr"/>
                 <a:r>
-                  <a:rPr lang="en-US" sz="1600" dirty="0"/>
+                  <a:rPr lang="en-US" sz="2400" dirty="0"/>
                   <a:t>Search index</a:t>
                 </a:r>
               </a:p>
@@ -3738,13 +3781,15 @@
                   </a:ext>
                 </a:extLst>
               </p:cNvPr>
-              <p:cNvCxnSpPr/>
+              <p:cNvCxnSpPr>
+                <a:cxnSpLocks/>
+              </p:cNvCxnSpPr>
               <p:nvPr/>
             </p:nvCxnSpPr>
             <p:spPr>
               <a:xfrm flipH="1">
-                <a:off x="5224976" y="1918491"/>
-                <a:ext cx="1080000" cy="0"/>
+                <a:off x="5220835" y="1750670"/>
+                <a:ext cx="1056991" cy="0"/>
               </a:xfrm>
               <a:prstGeom prst="straightConnector1">
                 <a:avLst/>
@@ -3783,10 +3828,10 @@
           </p:nvGrpSpPr>
           <p:grpSpPr>
             <a:xfrm>
-              <a:off x="3866214" y="2404200"/>
-              <a:ext cx="1440000" cy="1638801"/>
-              <a:chOff x="3866214" y="2404200"/>
-              <a:chExt cx="1440000" cy="1638801"/>
+              <a:off x="3788621" y="2468143"/>
+              <a:ext cx="1691354" cy="1961350"/>
+              <a:chOff x="3788621" y="2468143"/>
+              <a:chExt cx="1691354" cy="1961350"/>
             </a:xfrm>
           </p:grpSpPr>
           <p:sp>
@@ -3803,8 +3848,8 @@
             </p:nvSpPr>
             <p:spPr>
               <a:xfrm>
-                <a:off x="3866214" y="2886085"/>
-                <a:ext cx="1440000" cy="1156916"/>
+                <a:off x="3788621" y="2997292"/>
+                <a:ext cx="1691354" cy="1432201"/>
               </a:xfrm>
               <a:prstGeom prst="flowChartMultidocument">
                 <a:avLst/>
@@ -3831,7 +3876,7 @@
               <a:p>
                 <a:pPr algn="ctr"/>
                 <a:r>
-                  <a:rPr lang="en-US" sz="1600" dirty="0"/>
+                  <a:rPr lang="en-US" sz="2400" dirty="0"/>
                   <a:t>Relevant document parts</a:t>
                 </a:r>
               </a:p>
@@ -3846,13 +3891,15 @@
                   </a:ext>
                 </a:extLst>
               </p:cNvPr>
-              <p:cNvCxnSpPr/>
+              <p:cNvCxnSpPr>
+                <a:cxnSpLocks/>
+              </p:cNvCxnSpPr>
               <p:nvPr/>
             </p:nvCxnSpPr>
             <p:spPr>
               <a:xfrm>
-                <a:off x="4534994" y="2404200"/>
-                <a:ext cx="0" cy="430667"/>
+                <a:off x="4532039" y="2468143"/>
+                <a:ext cx="0" cy="452648"/>
               </a:xfrm>
               <a:prstGeom prst="straightConnector1">
                 <a:avLst/>
@@ -3891,10 +3938,10 @@
           </p:nvGrpSpPr>
           <p:grpSpPr>
             <a:xfrm>
-              <a:off x="1589085" y="2449613"/>
-              <a:ext cx="3537129" cy="3122646"/>
-              <a:chOff x="1589085" y="2449613"/>
-              <a:chExt cx="3537129" cy="3122646"/>
+              <a:off x="1934387" y="2747507"/>
+              <a:ext cx="3191827" cy="3449529"/>
+              <a:chOff x="1934387" y="2747507"/>
+              <a:chExt cx="3191827" cy="3449529"/>
             </a:xfrm>
           </p:grpSpPr>
           <p:sp>
@@ -3911,7 +3958,7 @@
             </p:nvSpPr>
             <p:spPr>
               <a:xfrm>
-                <a:off x="3866214" y="4492259"/>
+                <a:off x="3866214" y="5117036"/>
                 <a:ext cx="1260000" cy="1080000"/>
               </a:xfrm>
               <a:prstGeom prst="flowChartProcess">
@@ -3939,7 +3986,7 @@
               <a:p>
                 <a:pPr algn="ctr"/>
                 <a:r>
-                  <a:rPr lang="en-US" sz="1600" dirty="0"/>
+                  <a:rPr lang="en-US" sz="2400" dirty="0"/>
                   <a:t>Prompt</a:t>
                 </a:r>
               </a:p>
@@ -3954,13 +4001,15 @@
                   </a:ext>
                 </a:extLst>
               </p:cNvPr>
-              <p:cNvCxnSpPr/>
+              <p:cNvCxnSpPr>
+                <a:cxnSpLocks/>
+              </p:cNvCxnSpPr>
               <p:nvPr/>
             </p:nvCxnSpPr>
             <p:spPr>
               <a:xfrm>
-                <a:off x="1589085" y="2449613"/>
-                <a:ext cx="2095130" cy="2474163"/>
+                <a:off x="1934387" y="2747507"/>
+                <a:ext cx="1778247" cy="2681758"/>
               </a:xfrm>
               <a:prstGeom prst="straightConnector1">
                 <a:avLst/>
@@ -4000,8 +4049,8 @@
             </p:nvCxnSpPr>
             <p:spPr>
               <a:xfrm>
-                <a:off x="4532039" y="4043001"/>
-                <a:ext cx="0" cy="375373"/>
+                <a:off x="4496213" y="4493134"/>
+                <a:ext cx="0" cy="558751"/>
               </a:xfrm>
               <a:prstGeom prst="straightConnector1">
                 <a:avLst/>
@@ -4040,9 +4089,9 @@
           </p:nvGrpSpPr>
           <p:grpSpPr>
             <a:xfrm>
-              <a:off x="5220835" y="4482368"/>
+              <a:off x="5220835" y="5107145"/>
               <a:ext cx="2407078" cy="1080000"/>
-              <a:chOff x="5220835" y="4482368"/>
+              <a:chOff x="5220835" y="5107145"/>
               <a:chExt cx="2407078" cy="1080000"/>
             </a:xfrm>
           </p:grpSpPr>
@@ -4060,7 +4109,7 @@
             </p:nvSpPr>
             <p:spPr>
               <a:xfrm>
-                <a:off x="6367913" y="4482368"/>
+                <a:off x="6367913" y="5107145"/>
                 <a:ext cx="1260000" cy="1080000"/>
               </a:xfrm>
               <a:prstGeom prst="flowChartMagneticDisk">
@@ -4088,7 +4137,7 @@
               <a:p>
                 <a:pPr algn="ctr"/>
                 <a:r>
-                  <a:rPr lang="en-US" sz="1600" dirty="0"/>
+                  <a:rPr lang="en-US" sz="2400" dirty="0"/>
                   <a:t>LLM</a:t>
                 </a:r>
               </a:p>
@@ -4110,7 +4159,7 @@
             </p:nvCxnSpPr>
             <p:spPr>
               <a:xfrm>
-                <a:off x="5220835" y="5051340"/>
+                <a:off x="5220835" y="5676117"/>
                 <a:ext cx="1080000" cy="0"/>
               </a:xfrm>
               <a:prstGeom prst="straightConnector1">
@@ -4150,10 +4199,10 @@
           </p:nvGrpSpPr>
           <p:grpSpPr>
             <a:xfrm>
-              <a:off x="7734259" y="4482368"/>
-              <a:ext cx="3367528" cy="1080000"/>
-              <a:chOff x="7734259" y="4482368"/>
-              <a:chExt cx="3367528" cy="1080000"/>
+              <a:off x="7734259" y="4912231"/>
+              <a:ext cx="3367528" cy="1620692"/>
+              <a:chOff x="7734259" y="4912231"/>
+              <a:chExt cx="3367528" cy="1620692"/>
             </a:xfrm>
           </p:grpSpPr>
           <p:sp>
@@ -4170,8 +4219,8 @@
             </p:nvSpPr>
             <p:spPr>
               <a:xfrm>
-                <a:off x="8833787" y="4482368"/>
-                <a:ext cx="2268000" cy="1080000"/>
+                <a:off x="8833787" y="4912231"/>
+                <a:ext cx="2268000" cy="1620692"/>
               </a:xfrm>
               <a:prstGeom prst="flowChartDocument">
                 <a:avLst/>
@@ -4198,7 +4247,7 @@
               <a:p>
                 <a:pPr algn="ctr"/>
                 <a:r>
-                  <a:rPr lang="en-US" sz="1600" dirty="0"/>
+                  <a:rPr lang="en-US" sz="2400" dirty="0"/>
                   <a:t>Answer: The ECHR entered into force on September 3, 1953</a:t>
                 </a:r>
               </a:p>
@@ -4220,7 +4269,7 @@
             </p:nvCxnSpPr>
             <p:spPr>
               <a:xfrm>
-                <a:off x="7734259" y="5051340"/>
+                <a:off x="7734259" y="5676115"/>
                 <a:ext cx="1033960" cy="0"/>
               </a:xfrm>
               <a:prstGeom prst="straightConnector1">
@@ -4260,10 +4309,10 @@
           </p:nvGrpSpPr>
           <p:grpSpPr>
             <a:xfrm>
-              <a:off x="6367913" y="1373118"/>
-              <a:ext cx="2362926" cy="1080000"/>
-              <a:chOff x="6367913" y="1373118"/>
-              <a:chExt cx="2362926" cy="1080000"/>
+              <a:off x="6367912" y="1234541"/>
+              <a:ext cx="2328250" cy="1080000"/>
+              <a:chOff x="6367912" y="1234541"/>
+              <a:chExt cx="2328250" cy="1080000"/>
             </a:xfrm>
           </p:grpSpPr>
           <p:sp>
@@ -4280,7 +4329,7 @@
             </p:nvSpPr>
             <p:spPr>
               <a:xfrm>
-                <a:off x="6367913" y="1373118"/>
+                <a:off x="6367912" y="1234541"/>
                 <a:ext cx="1260000" cy="1080000"/>
               </a:xfrm>
               <a:prstGeom prst="flowChartProcess">
@@ -4308,7 +4357,7 @@
               <a:p>
                 <a:pPr algn="ctr"/>
                 <a:r>
-                  <a:rPr lang="en-US" sz="1600" dirty="0"/>
+                  <a:rPr lang="en-US" sz="2400" dirty="0"/>
                   <a:t>Vectorizer</a:t>
                 </a:r>
               </a:p>
@@ -4330,8 +4379,8 @@
             </p:nvCxnSpPr>
             <p:spPr>
               <a:xfrm flipH="1">
-                <a:off x="7682717" y="1897228"/>
-                <a:ext cx="1048122" cy="0"/>
+                <a:off x="7708009" y="1745297"/>
+                <a:ext cx="988153" cy="0"/>
               </a:xfrm>
               <a:prstGeom prst="straightConnector1">
                 <a:avLst/>
